--- a/Presentations/Case Study.pptx
+++ b/Presentations/Case Study.pptx
@@ -9887,13 +9887,13 @@
   <p:clrMapOvr>
     <a:masterClrMapping/>
   </p:clrMapOvr>
-  <mc:AlternateContent xmlns:mc="http://schemas.openxmlformats.org/markup-compatibility/2006">
-    <mc:Choice xmlns:p159="http://schemas.microsoft.com/office/powerpoint/2015/09/main" Requires="p159">
+  <mc:AlternateContent xmlns:mc="http://schemas.openxmlformats.org/markup-compatibility/2006" xmlns:p159="http://schemas.microsoft.com/office/powerpoint/2015/09/main">
+    <mc:Choice Requires="p159">
       <p:transition xmlns:p14="http://schemas.microsoft.com/office/powerpoint/2010/main" spd="slow" p14:dur="2000">
         <p159:morph option="byObject"/>
       </p:transition>
     </mc:Choice>
-    <mc:Fallback>
+    <mc:Fallback xmlns="">
       <p:transition spd="slow">
         <p:fade/>
       </p:transition>
@@ -10139,13 +10139,13 @@
   <p:clrMapOvr>
     <a:masterClrMapping/>
   </p:clrMapOvr>
-  <mc:AlternateContent xmlns:mc="http://schemas.openxmlformats.org/markup-compatibility/2006">
-    <mc:Choice xmlns:p159="http://schemas.microsoft.com/office/powerpoint/2015/09/main" Requires="p159">
+  <mc:AlternateContent xmlns:mc="http://schemas.openxmlformats.org/markup-compatibility/2006" xmlns:p159="http://schemas.microsoft.com/office/powerpoint/2015/09/main">
+    <mc:Choice Requires="p159">
       <p:transition xmlns:p14="http://schemas.microsoft.com/office/powerpoint/2010/main" spd="slow" p14:dur="2000">
         <p159:morph option="byObject"/>
       </p:transition>
     </mc:Choice>
-    <mc:Fallback>
+    <mc:Fallback xmlns="">
       <p:transition spd="slow">
         <p:fade/>
       </p:transition>
@@ -10360,13 +10360,13 @@
   <p:clrMapOvr>
     <a:masterClrMapping/>
   </p:clrMapOvr>
-  <mc:AlternateContent xmlns:mc="http://schemas.openxmlformats.org/markup-compatibility/2006">
-    <mc:Choice xmlns:p159="http://schemas.microsoft.com/office/powerpoint/2015/09/main" Requires="p159">
+  <mc:AlternateContent xmlns:mc="http://schemas.openxmlformats.org/markup-compatibility/2006" xmlns:p159="http://schemas.microsoft.com/office/powerpoint/2015/09/main">
+    <mc:Choice Requires="p159">
       <p:transition xmlns:p14="http://schemas.microsoft.com/office/powerpoint/2010/main" spd="slow" p14:dur="2000">
         <p159:morph option="byObject"/>
       </p:transition>
     </mc:Choice>
-    <mc:Fallback>
+    <mc:Fallback xmlns="">
       <p:transition spd="slow">
         <p:fade/>
       </p:transition>
@@ -10530,13 +10530,13 @@
   <p:clrMapOvr>
     <a:masterClrMapping/>
   </p:clrMapOvr>
-  <mc:AlternateContent xmlns:mc="http://schemas.openxmlformats.org/markup-compatibility/2006">
-    <mc:Choice xmlns:p159="http://schemas.microsoft.com/office/powerpoint/2015/09/main" Requires="p159">
+  <mc:AlternateContent xmlns:mc="http://schemas.openxmlformats.org/markup-compatibility/2006" xmlns:p159="http://schemas.microsoft.com/office/powerpoint/2015/09/main">
+    <mc:Choice Requires="p159">
       <p:transition xmlns:p14="http://schemas.microsoft.com/office/powerpoint/2010/main" spd="slow" p14:dur="2000">
         <p159:morph option="byObject"/>
       </p:transition>
     </mc:Choice>
-    <mc:Fallback>
+    <mc:Fallback xmlns="">
       <p:transition spd="slow">
         <p:fade/>
       </p:transition>
@@ -11049,6 +11049,7 @@
             </a:lvl9pPr>
           </a:lstStyle>
           <a:p>
+            <a:pPr algn="just"/>
             <a:r>
               <a:rPr lang="en-GB" dirty="0">
                 <a:solidFill>
@@ -11061,7 +11062,7 @@
             </a:r>
           </a:p>
           <a:p>
-            <a:pPr marL="342900" indent="-342900">
+            <a:pPr marL="342900" indent="-342900" algn="just">
               <a:buFont typeface="Arial" panose="020B0604020202020204" pitchFamily="34" charset="0"/>
               <a:buChar char="•"/>
             </a:pPr>
@@ -11077,7 +11078,7 @@
             </a:r>
           </a:p>
           <a:p>
-            <a:pPr marL="342900" indent="-342900">
+            <a:pPr marL="342900" indent="-342900" algn="just">
               <a:buFont typeface="Arial" panose="020B0604020202020204" pitchFamily="34" charset="0"/>
               <a:buChar char="•"/>
             </a:pPr>
@@ -11093,6 +11094,7 @@
             </a:r>
           </a:p>
           <a:p>
+            <a:pPr algn="just"/>
             <a:endParaRPr lang="en-GB" dirty="0">
               <a:solidFill>
                 <a:schemeClr val="bg1"/>
@@ -11119,7 +11121,7 @@
         </p:nvSpPr>
         <p:spPr>
           <a:xfrm>
-            <a:off x="307988" y="2025648"/>
+            <a:off x="332686" y="2021637"/>
             <a:ext cx="4728468" cy="3809568"/>
           </a:xfrm>
           <a:prstGeom prst="rect">
@@ -11293,6 +11295,7 @@
             </a:lvl9pPr>
           </a:lstStyle>
           <a:p>
+            <a:pPr algn="just"/>
             <a:r>
               <a:rPr lang="en-GB" dirty="0">
                 <a:solidFill>
@@ -11305,7 +11308,7 @@
             </a:r>
           </a:p>
           <a:p>
-            <a:pPr marL="342900" indent="-342900">
+            <a:pPr marL="342900" indent="-342900" algn="just">
               <a:buFont typeface="Arial" panose="020B0604020202020204" pitchFamily="34" charset="0"/>
               <a:buChar char="•"/>
             </a:pPr>
@@ -11337,11 +11340,30 @@
                 <a:latin typeface="Times New Roman" panose="02020603050405020304" pitchFamily="18" charset="0"/>
                 <a:cs typeface="Times New Roman" panose="02020603050405020304" pitchFamily="18" charset="0"/>
               </a:rPr>
-              <a:t>) module designed for efficient training of the global model. It is used for client-side tuning and interaction with the server to minimize communication overhead. </a:t>
+              <a:t>) module designed for efficient training of the global model.</a:t>
             </a:r>
-          </a:p>
-          <a:p>
-            <a:pPr marL="342900" indent="-342900">
+            <a:br>
+              <a:rPr lang="en-GB" dirty="0">
+                <a:solidFill>
+                  <a:schemeClr val="bg1"/>
+                </a:solidFill>
+                <a:latin typeface="Times New Roman" panose="02020603050405020304" pitchFamily="18" charset="0"/>
+                <a:cs typeface="Times New Roman" panose="02020603050405020304" pitchFamily="18" charset="0"/>
+              </a:rPr>
+            </a:br>
+            <a:r>
+              <a:rPr lang="en-GB" dirty="0">
+                <a:solidFill>
+                  <a:schemeClr val="bg1"/>
+                </a:solidFill>
+                <a:latin typeface="Times New Roman" panose="02020603050405020304" pitchFamily="18" charset="0"/>
+                <a:cs typeface="Times New Roman" panose="02020603050405020304" pitchFamily="18" charset="0"/>
+              </a:rPr>
+              <a:t> It is used for client-side tuning and interaction with the server to minimize communication overhead. </a:t>
+            </a:r>
+          </a:p>
+          <a:p>
+            <a:pPr marL="342900" indent="-342900" algn="just">
               <a:buFont typeface="Arial" panose="020B0604020202020204" pitchFamily="34" charset="0"/>
               <a:buChar char="•"/>
             </a:pPr>
@@ -11397,6 +11419,7 @@
             </a:r>
           </a:p>
           <a:p>
+            <a:pPr algn="just"/>
             <a:endParaRPr lang="en-GB" dirty="0">
               <a:solidFill>
                 <a:schemeClr val="bg1"/>
@@ -11406,6 +11429,7 @@
             </a:endParaRPr>
           </a:p>
           <a:p>
+            <a:pPr algn="just"/>
             <a:endParaRPr lang="en-GB" dirty="0">
               <a:solidFill>
                 <a:schemeClr val="bg1"/>
@@ -11456,13 +11480,13 @@
   <p:clrMapOvr>
     <a:masterClrMapping/>
   </p:clrMapOvr>
-  <mc:AlternateContent xmlns:mc="http://schemas.openxmlformats.org/markup-compatibility/2006">
-    <mc:Choice xmlns:p159="http://schemas.microsoft.com/office/powerpoint/2015/09/main" Requires="p159">
+  <mc:AlternateContent xmlns:mc="http://schemas.openxmlformats.org/markup-compatibility/2006" xmlns:p159="http://schemas.microsoft.com/office/powerpoint/2015/09/main">
+    <mc:Choice Requires="p159">
       <p:transition xmlns:p14="http://schemas.microsoft.com/office/powerpoint/2010/main" spd="slow" p14:dur="2000">
         <p159:morph option="byObject"/>
       </p:transition>
     </mc:Choice>
-    <mc:Fallback>
+    <mc:Fallback xmlns="">
       <p:transition spd="slow">
         <p:fade/>
       </p:transition>
@@ -12812,13 +12836,13 @@
   <p:clrMapOvr>
     <a:masterClrMapping/>
   </p:clrMapOvr>
-  <mc:AlternateContent xmlns:mc="http://schemas.openxmlformats.org/markup-compatibility/2006">
-    <mc:Choice xmlns:p159="http://schemas.microsoft.com/office/powerpoint/2015/09/main" Requires="p159">
+  <mc:AlternateContent xmlns:mc="http://schemas.openxmlformats.org/markup-compatibility/2006" xmlns:p159="http://schemas.microsoft.com/office/powerpoint/2015/09/main">
+    <mc:Choice Requires="p159">
       <p:transition xmlns:p14="http://schemas.microsoft.com/office/powerpoint/2010/main" spd="slow" p14:dur="2000">
         <p159:morph option="byObject"/>
       </p:transition>
     </mc:Choice>
-    <mc:Fallback>
+    <mc:Fallback xmlns="">
       <p:transition spd="slow">
         <p:fade/>
       </p:transition>
@@ -13468,13 +13492,13 @@
   <p:clrMapOvr>
     <a:masterClrMapping/>
   </p:clrMapOvr>
-  <mc:AlternateContent xmlns:mc="http://schemas.openxmlformats.org/markup-compatibility/2006">
-    <mc:Choice xmlns:p159="http://schemas.microsoft.com/office/powerpoint/2015/09/main" Requires="p159">
+  <mc:AlternateContent xmlns:mc="http://schemas.openxmlformats.org/markup-compatibility/2006" xmlns:p159="http://schemas.microsoft.com/office/powerpoint/2015/09/main">
+    <mc:Choice Requires="p159">
       <p:transition xmlns:p14="http://schemas.microsoft.com/office/powerpoint/2010/main" spd="slow" p14:dur="2000">
         <p159:morph option="byObject"/>
       </p:transition>
     </mc:Choice>
-    <mc:Fallback>
+    <mc:Fallback xmlns="">
       <p:transition spd="slow">
         <p:fade/>
       </p:transition>
@@ -13883,36 +13907,6 @@
           </a:p>
         </p:txBody>
       </p:sp>
-      <p:pic>
-        <p:nvPicPr>
-          <p:cNvPr id="10" name="table">
-            <a:extLst>
-              <a:ext uri="{FF2B5EF4-FFF2-40B4-BE49-F238E27FC236}">
-                <a16:creationId xmlns:a16="http://schemas.microsoft.com/office/drawing/2014/main" id="{4763E2A2-1014-75FE-AAE6-2E26BFAAE99A}"/>
-              </a:ext>
-            </a:extLst>
-          </p:cNvPr>
-          <p:cNvPicPr>
-            <a:picLocks noChangeAspect="1"/>
-          </p:cNvPicPr>
-          <p:nvPr/>
-        </p:nvPicPr>
-        <p:blipFill>
-          <a:blip r:embed="rId3"/>
-          <a:stretch>
-            <a:fillRect/>
-          </a:stretch>
-        </p:blipFill>
-        <p:spPr>
-          <a:xfrm>
-            <a:off x="451792" y="1828800"/>
-            <a:ext cx="11459289" cy="4277032"/>
-          </a:xfrm>
-          <a:prstGeom prst="rect">
-            <a:avLst/>
-          </a:prstGeom>
-        </p:spPr>
-      </p:pic>
       <p:sp>
         <p:nvSpPr>
           <p:cNvPr id="12" name="TextBox 11">
@@ -14065,7 +14059,7 @@
           <p:nvPr/>
         </p:nvPicPr>
         <p:blipFill>
-          <a:blip r:embed="rId4">
+          <a:blip r:embed="rId3">
             <a:extLst>
               <a:ext uri="{28A0092B-C50C-407E-A947-70E740481C1C}">
                 <a14:useLocalDpi xmlns:a14="http://schemas.microsoft.com/office/drawing/2010/main" val="0"/>
@@ -14116,6 +14110,431 @@
           </a:p>
         </p:txBody>
       </p:sp>
+      <p:graphicFrame>
+        <p:nvGraphicFramePr>
+          <p:cNvPr id="2" name="Table 1">
+            <a:extLst>
+              <a:ext uri="{FF2B5EF4-FFF2-40B4-BE49-F238E27FC236}">
+                <a16:creationId xmlns:a16="http://schemas.microsoft.com/office/drawing/2014/main" id="{937FD7D4-8FDD-DB43-1439-2E93B2E8A33E}"/>
+              </a:ext>
+            </a:extLst>
+          </p:cNvPr>
+          <p:cNvGraphicFramePr>
+            <a:graphicFrameLocks noGrp="1"/>
+          </p:cNvGraphicFramePr>
+          <p:nvPr>
+            <p:extLst>
+              <p:ext uri="{D42A27DB-BD31-4B8C-83A1-F6EECF244321}">
+                <p14:modId xmlns:p14="http://schemas.microsoft.com/office/powerpoint/2010/main" val="3752985547"/>
+              </p:ext>
+            </p:extLst>
+          </p:nvPr>
+        </p:nvGraphicFramePr>
+        <p:xfrm>
+          <a:off x="1128584" y="2088434"/>
+          <a:ext cx="9630033" cy="3019675"/>
+        </p:xfrm>
+        <a:graphic>
+          <a:graphicData uri="http://schemas.openxmlformats.org/drawingml/2006/table">
+            <a:tbl>
+              <a:tblPr firstRow="1" bandRow="1"/>
+              <a:tblGrid>
+                <a:gridCol w="2298781">
+                  <a:extLst>
+                    <a:ext uri="{9D8B030D-6E8A-4147-A177-3AD203B41FA5}">
+                      <a16:colId xmlns:a16="http://schemas.microsoft.com/office/drawing/2014/main" val="20000"/>
+                    </a:ext>
+                  </a:extLst>
+                </a:gridCol>
+                <a:gridCol w="7331252">
+                  <a:extLst>
+                    <a:ext uri="{9D8B030D-6E8A-4147-A177-3AD203B41FA5}">
+                      <a16:colId xmlns:a16="http://schemas.microsoft.com/office/drawing/2014/main" val="20001"/>
+                    </a:ext>
+                  </a:extLst>
+                </a:gridCol>
+              </a:tblGrid>
+              <a:tr h="554331">
+                <a:tc>
+                  <a:txBody>
+                    <a:bodyPr/>
+                    <a:lstStyle/>
+                    <a:p>
+                      <a:pPr algn="just"/>
+                      <a:r>
+                        <a:rPr lang="en-US" sz="1600" b="1" dirty="0">
+                          <a:latin typeface="Arial" panose="020B0604020202020204" pitchFamily="34" charset="0"/>
+                          <a:cs typeface="Arial" panose="020B0604020202020204" pitchFamily="34" charset="0"/>
+                        </a:rPr>
+                        <a:t>Year</a:t>
+                      </a:r>
+                      <a:r>
+                        <a:rPr lang="en-US" sz="1600" b="1" baseline="0" dirty="0">
+                          <a:latin typeface="Arial" panose="020B0604020202020204" pitchFamily="34" charset="0"/>
+                          <a:cs typeface="Arial" panose="020B0604020202020204" pitchFamily="34" charset="0"/>
+                        </a:rPr>
+                        <a:t> of Publication</a:t>
+                      </a:r>
+                      <a:endParaRPr lang="en-US" sz="1600" b="1" dirty="0">
+                        <a:latin typeface="Arial" panose="020B0604020202020204" pitchFamily="34" charset="0"/>
+                        <a:cs typeface="Arial" panose="020B0604020202020204" pitchFamily="34" charset="0"/>
+                      </a:endParaRPr>
+                    </a:p>
+                  </a:txBody>
+                  <a:tcPr/>
+                </a:tc>
+                <a:tc>
+                  <a:txBody>
+                    <a:bodyPr/>
+                    <a:lstStyle/>
+                    <a:p>
+                      <a:pPr algn="just"/>
+                      <a:r>
+                        <a:rPr lang="en-US" sz="1600" i="0" baseline="0" dirty="0">
+                          <a:latin typeface="Arial" panose="020B0604020202020204" pitchFamily="34" charset="0"/>
+                          <a:cs typeface="Arial" panose="020B0604020202020204" pitchFamily="34" charset="0"/>
+                        </a:rPr>
+                        <a:t>August 2023</a:t>
+                      </a:r>
+                      <a:endParaRPr lang="en-US" sz="1600" i="0" dirty="0">
+                        <a:latin typeface="Arial" panose="020B0604020202020204" pitchFamily="34" charset="0"/>
+                        <a:cs typeface="Arial" panose="020B0604020202020204" pitchFamily="34" charset="0"/>
+                      </a:endParaRPr>
+                    </a:p>
+                  </a:txBody>
+                  <a:tcPr/>
+                </a:tc>
+                <a:extLst>
+                  <a:ext uri="{0D108BD9-81ED-4DB2-BD59-A6C34878D82A}">
+                    <a16:rowId xmlns:a16="http://schemas.microsoft.com/office/drawing/2014/main" val="10000"/>
+                  </a:ext>
+                </a:extLst>
+              </a:tr>
+              <a:tr h="627657">
+                <a:tc>
+                  <a:txBody>
+                    <a:bodyPr/>
+                    <a:lstStyle/>
+                    <a:p>
+                      <a:pPr algn="just"/>
+                      <a:r>
+                        <a:rPr lang="en-US" sz="1600" b="1" dirty="0">
+                          <a:latin typeface="Arial" panose="020B0604020202020204" pitchFamily="34" charset="0"/>
+                          <a:cs typeface="Arial" panose="020B0604020202020204" pitchFamily="34" charset="0"/>
+                        </a:rPr>
+                        <a:t>Authors</a:t>
+                      </a:r>
+                    </a:p>
+                  </a:txBody>
+                  <a:tcPr/>
+                </a:tc>
+                <a:tc>
+                  <a:txBody>
+                    <a:bodyPr/>
+                    <a:lstStyle/>
+                    <a:p>
+                      <a:pPr algn="just"/>
+                      <a:r>
+                        <a:rPr lang="en-IN" sz="1600" dirty="0">
+                          <a:latin typeface="Arial" panose="020B0604020202020204" pitchFamily="34" charset="0"/>
+                          <a:cs typeface="Arial" panose="020B0604020202020204" pitchFamily="34" charset="0"/>
+                        </a:rPr>
+                        <a:t>Blessed </a:t>
+                      </a:r>
+                      <a:r>
+                        <a:rPr lang="en-IN" sz="1600" dirty="0" err="1">
+                          <a:latin typeface="Arial" panose="020B0604020202020204" pitchFamily="34" charset="0"/>
+                          <a:cs typeface="Arial" panose="020B0604020202020204" pitchFamily="34" charset="0"/>
+                        </a:rPr>
+                        <a:t>Guda</a:t>
+                      </a:r>
+                      <a:r>
+                        <a:rPr lang="en-IN" sz="1600" dirty="0">
+                          <a:latin typeface="Arial" panose="020B0604020202020204" pitchFamily="34" charset="0"/>
+                          <a:cs typeface="Arial" panose="020B0604020202020204" pitchFamily="34" charset="0"/>
+                        </a:rPr>
+                        <a:t> , Bello Kontagora Nuhu , James </a:t>
+                      </a:r>
+                      <a:r>
+                        <a:rPr lang="en-IN" sz="1600" dirty="0" err="1">
+                          <a:latin typeface="Arial" panose="020B0604020202020204" pitchFamily="34" charset="0"/>
+                          <a:cs typeface="Arial" panose="020B0604020202020204" pitchFamily="34" charset="0"/>
+                        </a:rPr>
+                        <a:t>Agajo</a:t>
+                      </a:r>
+                      <a:r>
+                        <a:rPr lang="en-IN" sz="1600" dirty="0">
+                          <a:latin typeface="Arial" panose="020B0604020202020204" pitchFamily="34" charset="0"/>
+                          <a:cs typeface="Arial" panose="020B0604020202020204" pitchFamily="34" charset="0"/>
+                        </a:rPr>
+                        <a:t> , Ibrahim Aliyu</a:t>
+                      </a:r>
+                      <a:endParaRPr lang="en-US" sz="1600" b="0" i="0" u="none" strike="noStrike" cap="none" dirty="0">
+                        <a:solidFill>
+                          <a:srgbClr val="000000"/>
+                        </a:solidFill>
+                        <a:effectLst/>
+                        <a:latin typeface="Arial" panose="020B0604020202020204" pitchFamily="34" charset="0"/>
+                        <a:ea typeface="Arial"/>
+                        <a:cs typeface="Arial" panose="020B0604020202020204" pitchFamily="34" charset="0"/>
+                        <a:sym typeface="Arial"/>
+                      </a:endParaRPr>
+                    </a:p>
+                  </a:txBody>
+                  <a:tcPr/>
+                </a:tc>
+                <a:extLst>
+                  <a:ext uri="{0D108BD9-81ED-4DB2-BD59-A6C34878D82A}">
+                    <a16:rowId xmlns:a16="http://schemas.microsoft.com/office/drawing/2014/main" val="10002"/>
+                  </a:ext>
+                </a:extLst>
+              </a:tr>
+              <a:tr h="529235">
+                <a:tc>
+                  <a:txBody>
+                    <a:bodyPr/>
+                    <a:lstStyle/>
+                    <a:p>
+                      <a:pPr algn="just"/>
+                      <a:r>
+                        <a:rPr lang="en-US" sz="1600" b="1" dirty="0">
+                          <a:latin typeface="Arial" panose="020B0604020202020204" pitchFamily="34" charset="0"/>
+                          <a:cs typeface="Arial" panose="020B0604020202020204" pitchFamily="34" charset="0"/>
+                        </a:rPr>
+                        <a:t>Keywords</a:t>
+                      </a:r>
+                    </a:p>
+                  </a:txBody>
+                  <a:tcPr/>
+                </a:tc>
+                <a:tc>
+                  <a:txBody>
+                    <a:bodyPr/>
+                    <a:lstStyle/>
+                    <a:p>
+                      <a:pPr algn="just"/>
+                      <a:r>
+                        <a:rPr lang="en-US" sz="1600" dirty="0">
+                          <a:latin typeface="Arial" panose="020B0604020202020204" pitchFamily="34" charset="0"/>
+                          <a:cs typeface="Arial" panose="020B0604020202020204" pitchFamily="34" charset="0"/>
+                        </a:rPr>
+                        <a:t>natural language processing, RAKE, </a:t>
+                      </a:r>
+                      <a:r>
+                        <a:rPr lang="en-US" sz="1600" dirty="0" err="1">
+                          <a:latin typeface="Arial" panose="020B0604020202020204" pitchFamily="34" charset="0"/>
+                          <a:cs typeface="Arial" panose="020B0604020202020204" pitchFamily="34" charset="0"/>
+                        </a:rPr>
+                        <a:t>textrank</a:t>
+                      </a:r>
+                      <a:r>
+                        <a:rPr lang="en-US" sz="1600" dirty="0">
+                          <a:latin typeface="Arial" panose="020B0604020202020204" pitchFamily="34" charset="0"/>
+                          <a:cs typeface="Arial" panose="020B0604020202020204" pitchFamily="34" charset="0"/>
+                        </a:rPr>
+                        <a:t>, </a:t>
+                      </a:r>
+                      <a:r>
+                        <a:rPr lang="en-US" sz="1600" dirty="0" err="1">
+                          <a:latin typeface="Arial" panose="020B0604020202020204" pitchFamily="34" charset="0"/>
+                          <a:cs typeface="Arial" panose="020B0604020202020204" pitchFamily="34" charset="0"/>
+                        </a:rPr>
+                        <a:t>stoplist</a:t>
+                      </a:r>
+                      <a:r>
+                        <a:rPr lang="en-US" sz="1600" dirty="0">
+                          <a:latin typeface="Arial" panose="020B0604020202020204" pitchFamily="34" charset="0"/>
+                          <a:cs typeface="Arial" panose="020B0604020202020204" pitchFamily="34" charset="0"/>
+                        </a:rPr>
+                        <a:t>, speech recognition</a:t>
+                      </a:r>
+                      <a:endParaRPr lang="en-US" sz="1600" b="0" i="0" u="none" strike="noStrike" cap="none" dirty="0">
+                        <a:solidFill>
+                          <a:srgbClr val="000000"/>
+                        </a:solidFill>
+                        <a:effectLst/>
+                        <a:latin typeface="Arial" panose="020B0604020202020204" pitchFamily="34" charset="0"/>
+                        <a:ea typeface="Arial"/>
+                        <a:cs typeface="Arial" panose="020B0604020202020204" pitchFamily="34" charset="0"/>
+                        <a:sym typeface="Arial"/>
+                      </a:endParaRPr>
+                    </a:p>
+                  </a:txBody>
+                  <a:tcPr/>
+                </a:tc>
+                <a:extLst>
+                  <a:ext uri="{0D108BD9-81ED-4DB2-BD59-A6C34878D82A}">
+                    <a16:rowId xmlns:a16="http://schemas.microsoft.com/office/drawing/2014/main" val="10003"/>
+                  </a:ext>
+                </a:extLst>
+              </a:tr>
+              <a:tr h="649894">
+                <a:tc>
+                  <a:txBody>
+                    <a:bodyPr/>
+                    <a:lstStyle/>
+                    <a:p>
+                      <a:pPr algn="just"/>
+                      <a:r>
+                        <a:rPr lang="en-US" sz="1600" b="1" dirty="0">
+                          <a:latin typeface="Arial" panose="020B0604020202020204" pitchFamily="34" charset="0"/>
+                          <a:cs typeface="Arial" panose="020B0604020202020204" pitchFamily="34" charset="0"/>
+                        </a:rPr>
+                        <a:t>Methodology used</a:t>
+                      </a:r>
+                    </a:p>
+                  </a:txBody>
+                  <a:tcPr/>
+                </a:tc>
+                <a:tc>
+                  <a:txBody>
+                    <a:bodyPr/>
+                    <a:lstStyle/>
+                    <a:p>
+                      <a:pPr algn="just"/>
+                      <a:r>
+                        <a:rPr lang="en-US" sz="1600" b="0" i="0" u="none" strike="noStrike" cap="none" dirty="0">
+                          <a:solidFill>
+                            <a:srgbClr val="000000"/>
+                          </a:solidFill>
+                          <a:effectLst/>
+                          <a:latin typeface="Arial" panose="020B0604020202020204" pitchFamily="34" charset="0"/>
+                          <a:ea typeface="Arial"/>
+                          <a:cs typeface="Arial" panose="020B0604020202020204" pitchFamily="34" charset="0"/>
+                          <a:sym typeface="Arial"/>
+                        </a:rPr>
+                        <a:t>Evaluating keyword extraction techniques namely RAKE and </a:t>
+                      </a:r>
+                      <a:r>
+                        <a:rPr lang="en-US" sz="1600" b="0" i="0" u="none" strike="noStrike" cap="none" dirty="0" err="1">
+                          <a:solidFill>
+                            <a:srgbClr val="000000"/>
+                          </a:solidFill>
+                          <a:effectLst/>
+                          <a:latin typeface="Arial" panose="020B0604020202020204" pitchFamily="34" charset="0"/>
+                          <a:ea typeface="Arial"/>
+                          <a:cs typeface="Arial" panose="020B0604020202020204" pitchFamily="34" charset="0"/>
+                          <a:sym typeface="Arial"/>
+                        </a:rPr>
+                        <a:t>TextRank</a:t>
+                      </a:r>
+                      <a:r>
+                        <a:rPr lang="en-US" sz="1600" b="0" i="0" u="none" strike="noStrike" cap="none" dirty="0">
+                          <a:solidFill>
+                            <a:srgbClr val="000000"/>
+                          </a:solidFill>
+                          <a:effectLst/>
+                          <a:latin typeface="Arial" panose="020B0604020202020204" pitchFamily="34" charset="0"/>
+                          <a:ea typeface="Arial"/>
+                          <a:cs typeface="Arial" panose="020B0604020202020204" pitchFamily="34" charset="0"/>
+                          <a:sym typeface="Arial"/>
+                        </a:rPr>
+                        <a:t> </a:t>
+                      </a:r>
+                      <a:endParaRPr lang="en-US" sz="1600" i="0" dirty="0">
+                        <a:latin typeface="Arial" panose="020B0604020202020204" pitchFamily="34" charset="0"/>
+                        <a:cs typeface="Arial" panose="020B0604020202020204" pitchFamily="34" charset="0"/>
+                      </a:endParaRPr>
+                    </a:p>
+                  </a:txBody>
+                  <a:tcPr/>
+                </a:tc>
+                <a:extLst>
+                  <a:ext uri="{0D108BD9-81ED-4DB2-BD59-A6C34878D82A}">
+                    <a16:rowId xmlns:a16="http://schemas.microsoft.com/office/drawing/2014/main" val="10004"/>
+                  </a:ext>
+                </a:extLst>
+              </a:tr>
+              <a:tr h="658558">
+                <a:tc>
+                  <a:txBody>
+                    <a:bodyPr/>
+                    <a:lstStyle/>
+                    <a:p>
+                      <a:pPr algn="just"/>
+                      <a:r>
+                        <a:rPr lang="en-US" sz="1600" b="1" dirty="0">
+                          <a:latin typeface="Arial" panose="020B0604020202020204" pitchFamily="34" charset="0"/>
+                          <a:cs typeface="Arial" panose="020B0604020202020204" pitchFamily="34" charset="0"/>
+                        </a:rPr>
+                        <a:t>Results obtained</a:t>
+                      </a:r>
+                    </a:p>
+                  </a:txBody>
+                  <a:tcPr/>
+                </a:tc>
+                <a:tc>
+                  <a:txBody>
+                    <a:bodyPr/>
+                    <a:lstStyle/>
+                    <a:p>
+                      <a:pPr algn="just"/>
+                      <a:r>
+                        <a:rPr lang="en-US" sz="1600" b="0" i="0" u="none" strike="noStrike" cap="none" dirty="0" err="1">
+                          <a:solidFill>
+                            <a:srgbClr val="000000"/>
+                          </a:solidFill>
+                          <a:effectLst/>
+                          <a:latin typeface="Arial" panose="020B0604020202020204" pitchFamily="34" charset="0"/>
+                          <a:ea typeface="Arial"/>
+                          <a:cs typeface="Arial" panose="020B0604020202020204" pitchFamily="34" charset="0"/>
+                          <a:sym typeface="Arial"/>
+                        </a:rPr>
+                        <a:t>TextRank</a:t>
+                      </a:r>
+                      <a:r>
+                        <a:rPr lang="en-US" sz="1600" b="0" i="0" u="none" strike="noStrike" cap="none" dirty="0">
+                          <a:solidFill>
+                            <a:srgbClr val="000000"/>
+                          </a:solidFill>
+                          <a:effectLst/>
+                          <a:latin typeface="Arial" panose="020B0604020202020204" pitchFamily="34" charset="0"/>
+                          <a:ea typeface="Arial"/>
+                          <a:cs typeface="Arial" panose="020B0604020202020204" pitchFamily="34" charset="0"/>
+                          <a:sym typeface="Arial"/>
+                        </a:rPr>
+                        <a:t> with the FOX </a:t>
+                      </a:r>
+                      <a:r>
+                        <a:rPr lang="en-US" sz="1600" b="0" i="0" u="none" strike="noStrike" cap="none" dirty="0" err="1">
+                          <a:solidFill>
+                            <a:srgbClr val="000000"/>
+                          </a:solidFill>
+                          <a:effectLst/>
+                          <a:latin typeface="Arial" panose="020B0604020202020204" pitchFamily="34" charset="0"/>
+                          <a:ea typeface="Arial"/>
+                          <a:cs typeface="Arial" panose="020B0604020202020204" pitchFamily="34" charset="0"/>
+                          <a:sym typeface="Arial"/>
+                        </a:rPr>
+                        <a:t>Stoplist</a:t>
+                      </a:r>
+                      <a:r>
+                        <a:rPr lang="en-US" sz="1600" b="0" i="0" u="none" strike="noStrike" cap="none" dirty="0">
+                          <a:solidFill>
+                            <a:srgbClr val="000000"/>
+                          </a:solidFill>
+                          <a:effectLst/>
+                          <a:latin typeface="Arial" panose="020B0604020202020204" pitchFamily="34" charset="0"/>
+                          <a:ea typeface="Arial"/>
+                          <a:cs typeface="Arial" panose="020B0604020202020204" pitchFamily="34" charset="0"/>
+                          <a:sym typeface="Arial"/>
+                        </a:rPr>
+                        <a:t> performed best on both text and audio data</a:t>
+                      </a:r>
+                    </a:p>
+                  </a:txBody>
+                  <a:tcPr/>
+                </a:tc>
+                <a:extLst>
+                  <a:ext uri="{0D108BD9-81ED-4DB2-BD59-A6C34878D82A}">
+                    <a16:rowId xmlns:a16="http://schemas.microsoft.com/office/drawing/2014/main" val="10005"/>
+                  </a:ext>
+                </a:extLst>
+              </a:tr>
+            </a:tbl>
+          </a:graphicData>
+        </a:graphic>
+      </p:graphicFrame>
     </p:spTree>
     <p:extLst>
       <p:ext uri="{BB962C8B-B14F-4D97-AF65-F5344CB8AC3E}">
@@ -14126,127 +14545,6 @@
   <p:clrMapOvr>
     <a:masterClrMapping/>
   </p:clrMapOvr>
-  <p:timing>
-    <p:tnLst>
-      <p:par>
-        <p:cTn id="1" dur="indefinite" restart="never" nodeType="tmRoot">
-          <p:childTnLst>
-            <p:seq concurrent="1" nextAc="seek">
-              <p:cTn id="2" dur="indefinite" nodeType="mainSeq">
-                <p:childTnLst>
-                  <p:par>
-                    <p:cTn id="3" fill="hold">
-                      <p:stCondLst>
-                        <p:cond delay="indefinite"/>
-                      </p:stCondLst>
-                      <p:childTnLst>
-                        <p:par>
-                          <p:cTn id="4" fill="hold">
-                            <p:stCondLst>
-                              <p:cond delay="0"/>
-                            </p:stCondLst>
-                            <p:childTnLst>
-                              <p:par>
-                                <p:cTn id="5" presetID="2" presetClass="entr" presetSubtype="4" fill="hold" nodeType="clickEffect">
-                                  <p:stCondLst>
-                                    <p:cond delay="0"/>
-                                  </p:stCondLst>
-                                  <p:childTnLst>
-                                    <p:set>
-                                      <p:cBhvr>
-                                        <p:cTn id="6" dur="1" fill="hold">
-                                          <p:stCondLst>
-                                            <p:cond delay="0"/>
-                                          </p:stCondLst>
-                                        </p:cTn>
-                                        <p:tgtEl>
-                                          <p:spTgt spid="10"/>
-                                        </p:tgtEl>
-                                        <p:attrNameLst>
-                                          <p:attrName>style.visibility</p:attrName>
-                                        </p:attrNameLst>
-                                      </p:cBhvr>
-                                      <p:to>
-                                        <p:strVal val="visible"/>
-                                      </p:to>
-                                    </p:set>
-                                    <p:anim calcmode="lin" valueType="num">
-                                      <p:cBhvr additive="base">
-                                        <p:cTn id="7" dur="500" fill="hold"/>
-                                        <p:tgtEl>
-                                          <p:spTgt spid="10"/>
-                                        </p:tgtEl>
-                                        <p:attrNameLst>
-                                          <p:attrName>ppt_x</p:attrName>
-                                        </p:attrNameLst>
-                                      </p:cBhvr>
-                                      <p:tavLst>
-                                        <p:tav tm="0">
-                                          <p:val>
-                                            <p:strVal val="#ppt_x"/>
-                                          </p:val>
-                                        </p:tav>
-                                        <p:tav tm="100000">
-                                          <p:val>
-                                            <p:strVal val="#ppt_x"/>
-                                          </p:val>
-                                        </p:tav>
-                                      </p:tavLst>
-                                    </p:anim>
-                                    <p:anim calcmode="lin" valueType="num">
-                                      <p:cBhvr additive="base">
-                                        <p:cTn id="8" dur="500" fill="hold"/>
-                                        <p:tgtEl>
-                                          <p:spTgt spid="10"/>
-                                        </p:tgtEl>
-                                        <p:attrNameLst>
-                                          <p:attrName>ppt_y</p:attrName>
-                                        </p:attrNameLst>
-                                      </p:cBhvr>
-                                      <p:tavLst>
-                                        <p:tav tm="0">
-                                          <p:val>
-                                            <p:strVal val="1+#ppt_h/2"/>
-                                          </p:val>
-                                        </p:tav>
-                                        <p:tav tm="100000">
-                                          <p:val>
-                                            <p:strVal val="#ppt_y"/>
-                                          </p:val>
-                                        </p:tav>
-                                      </p:tavLst>
-                                    </p:anim>
-                                  </p:childTnLst>
-                                </p:cTn>
-                              </p:par>
-                            </p:childTnLst>
-                          </p:cTn>
-                        </p:par>
-                      </p:childTnLst>
-                    </p:cTn>
-                  </p:par>
-                </p:childTnLst>
-              </p:cTn>
-              <p:prevCondLst>
-                <p:cond evt="onPrev" delay="0">
-                  <p:tgtEl>
-                    <p:sldTgt/>
-                  </p:tgtEl>
-                </p:cond>
-              </p:prevCondLst>
-              <p:nextCondLst>
-                <p:cond evt="onNext" delay="0">
-                  <p:tgtEl>
-                    <p:sldTgt/>
-                  </p:tgtEl>
-                </p:cond>
-              </p:nextCondLst>
-            </p:seq>
-          </p:childTnLst>
-        </p:cTn>
-      </p:par>
-    </p:tnLst>
-  </p:timing>
 </p:sld>
 </file>
 
@@ -16676,12 +16974,22 @@
 </file>
 
 <file path=customXml/item1.xml><?xml version="1.0" encoding="utf-8"?>
-<?mso-contentType ?>
-<FormTemplates xmlns="http://schemas.microsoft.com/sharepoint/v3/contenttype/forms">
-  <Display>DocumentLibraryForm</Display>
-  <Edit>DocumentLibraryForm</Edit>
-  <New>DocumentLibraryForm</New>
-</FormTemplates>
+<p:properties xmlns:p="http://schemas.microsoft.com/office/2006/metadata/properties" xmlns:xsi="http://www.w3.org/2001/XMLSchema-instance" xmlns:pc="http://schemas.microsoft.com/office/infopath/2007/PartnerControls">
+  <documentManagement>
+    <Status xmlns="71af3243-3dd4-4a8d-8c0d-dd76da1f02a5">Not started</Status>
+    <_ip_UnifiedCompliancePolicyUIAction xmlns="http://schemas.microsoft.com/sharepoint/v3" xsi:nil="true"/>
+    <Image xmlns="71af3243-3dd4-4a8d-8c0d-dd76da1f02a5">
+      <Url xsi:nil="true"/>
+      <Description xsi:nil="true"/>
+    </Image>
+    <_ip_UnifiedCompliancePolicyProperties xmlns="http://schemas.microsoft.com/sharepoint/v3" xsi:nil="true"/>
+    <ImageTagsTaxHTField xmlns="71af3243-3dd4-4a8d-8c0d-dd76da1f02a5">
+      <Terms xmlns="http://schemas.microsoft.com/office/infopath/2007/PartnerControls"/>
+    </ImageTagsTaxHTField>
+    <TaxCatchAll xmlns="230e9df3-be65-4c73-a93b-d1236ebd677e"/>
+    <MediaServiceKeyPoints xmlns="71af3243-3dd4-4a8d-8c0d-dd76da1f02a5" xsi:nil="true"/>
+  </documentManagement>
+</p:properties>
 </file>
 
 <file path=customXml/item2.xml><?xml version="1.0" encoding="utf-8"?>
@@ -16961,28 +17269,22 @@
 </file>
 
 <file path=customXml/item3.xml><?xml version="1.0" encoding="utf-8"?>
-<p:properties xmlns:p="http://schemas.microsoft.com/office/2006/metadata/properties" xmlns:xsi="http://www.w3.org/2001/XMLSchema-instance" xmlns:pc="http://schemas.microsoft.com/office/infopath/2007/PartnerControls">
-  <documentManagement>
-    <Status xmlns="71af3243-3dd4-4a8d-8c0d-dd76da1f02a5">Not started</Status>
-    <_ip_UnifiedCompliancePolicyUIAction xmlns="http://schemas.microsoft.com/sharepoint/v3" xsi:nil="true"/>
-    <Image xmlns="71af3243-3dd4-4a8d-8c0d-dd76da1f02a5">
-      <Url xsi:nil="true"/>
-      <Description xsi:nil="true"/>
-    </Image>
-    <_ip_UnifiedCompliancePolicyProperties xmlns="http://schemas.microsoft.com/sharepoint/v3" xsi:nil="true"/>
-    <ImageTagsTaxHTField xmlns="71af3243-3dd4-4a8d-8c0d-dd76da1f02a5">
-      <Terms xmlns="http://schemas.microsoft.com/office/infopath/2007/PartnerControls"/>
-    </ImageTagsTaxHTField>
-    <TaxCatchAll xmlns="230e9df3-be65-4c73-a93b-d1236ebd677e"/>
-    <MediaServiceKeyPoints xmlns="71af3243-3dd4-4a8d-8c0d-dd76da1f02a5" xsi:nil="true"/>
-  </documentManagement>
-</p:properties>
+<?mso-contentType ?>
+<FormTemplates xmlns="http://schemas.microsoft.com/sharepoint/v3/contenttype/forms">
+  <Display>DocumentLibraryForm</Display>
+  <Edit>DocumentLibraryForm</Edit>
+  <New>DocumentLibraryForm</New>
+</FormTemplates>
 </file>
 
 <file path=customXml/itemProps1.xml><?xml version="1.0" encoding="utf-8"?>
-<ds:datastoreItem xmlns:ds="http://schemas.openxmlformats.org/officeDocument/2006/customXml" ds:itemID="{10F98B39-7EBA-4823-84A5-26F47879986F}">
+<ds:datastoreItem xmlns:ds="http://schemas.openxmlformats.org/officeDocument/2006/customXml" ds:itemID="{45621FE4-3184-49E6-95AD-A045530002EF}">
   <ds:schemaRefs>
-    <ds:schemaRef ds:uri="http://schemas.microsoft.com/sharepoint/v3/contenttype/forms"/>
+    <ds:schemaRef ds:uri="http://schemas.microsoft.com/office/2006/metadata/properties"/>
+    <ds:schemaRef ds:uri="http://schemas.microsoft.com/office/infopath/2007/PartnerControls"/>
+    <ds:schemaRef ds:uri="71af3243-3dd4-4a8d-8c0d-dd76da1f02a5"/>
+    <ds:schemaRef ds:uri="http://schemas.microsoft.com/sharepoint/v3"/>
+    <ds:schemaRef ds:uri="230e9df3-be65-4c73-a93b-d1236ebd677e"/>
   </ds:schemaRefs>
 </ds:datastoreItem>
 </file>
@@ -17009,13 +17311,9 @@
 </file>
 
 <file path=customXml/itemProps3.xml><?xml version="1.0" encoding="utf-8"?>
-<ds:datastoreItem xmlns:ds="http://schemas.openxmlformats.org/officeDocument/2006/customXml" ds:itemID="{45621FE4-3184-49E6-95AD-A045530002EF}">
+<ds:datastoreItem xmlns:ds="http://schemas.openxmlformats.org/officeDocument/2006/customXml" ds:itemID="{10F98B39-7EBA-4823-84A5-26F47879986F}">
   <ds:schemaRefs>
-    <ds:schemaRef ds:uri="http://schemas.microsoft.com/office/2006/metadata/properties"/>
-    <ds:schemaRef ds:uri="http://schemas.microsoft.com/office/infopath/2007/PartnerControls"/>
-    <ds:schemaRef ds:uri="71af3243-3dd4-4a8d-8c0d-dd76da1f02a5"/>
-    <ds:schemaRef ds:uri="http://schemas.microsoft.com/sharepoint/v3"/>
-    <ds:schemaRef ds:uri="230e9df3-be65-4c73-a93b-d1236ebd677e"/>
+    <ds:schemaRef ds:uri="http://schemas.microsoft.com/sharepoint/v3/contenttype/forms"/>
   </ds:schemaRefs>
 </ds:datastoreItem>
 </file>
